--- a/Presentation/FOMC_Extracting_Insights_Final.pptx
+++ b/Presentation/FOMC_Extracting_Insights_Final.pptx
@@ -1,15 +1,12 @@
 
 <file path=ppt/presentation.xml><?xml version="1.0" encoding="utf-8"?>
-<p:presentation xmlns:a="http://schemas.openxmlformats.org/drawingml/2006/main" xmlns:r="http://schemas.openxmlformats.org/officeDocument/2006/relationships" xmlns:p="http://schemas.openxmlformats.org/presentationml/2006/main" showSpecialPlsOnTitleSld="0" saveSubsetFonts="1">
+<p:presentation xmlns:a="http://schemas.openxmlformats.org/drawingml/2006/main" xmlns:r="http://schemas.openxmlformats.org/officeDocument/2006/relationships" xmlns:p="http://schemas.openxmlformats.org/presentationml/2006/main" saveSubsetFonts="1">
   <p:sldMasterIdLst>
     <p:sldMasterId id="2147483696" r:id="rId1"/>
   </p:sldMasterIdLst>
   <p:notesMasterIdLst>
     <p:notesMasterId r:id="rId10"/>
   </p:notesMasterIdLst>
-  <p:handoutMasterIdLst>
-    <p:handoutMasterId r:id="rId11"/>
-  </p:handoutMasterIdLst>
   <p:sldIdLst>
     <p:sldId id="256" r:id="rId2"/>
     <p:sldId id="258" r:id="rId3"/>
@@ -119,7 +116,7 @@
   </p:defaultTextStyle>
   <p:extLst>
     <p:ext uri="{EFAFB233-063F-42B5-8137-9DF3F51BA10A}">
-      <p15:sldGuideLst xmlns="" xmlns:p15="http://schemas.microsoft.com/office/powerpoint/2012/main"/>
+      <p15:sldGuideLst xmlns:p15="http://schemas.microsoft.com/office/powerpoint/2012/main"/>
     </p:ext>
   </p:extLst>
 </p:presentation>
@@ -129,177 +126,12 @@
 <p1510:revInfo xmlns:a="http://schemas.openxmlformats.org/drawingml/2006/main" xmlns:r="http://schemas.openxmlformats.org/officeDocument/2006/relationships" xmlns:p1510="http://schemas.microsoft.com/office/powerpoint/2015/10/main">
   <p1510:revLst>
     <p1510:client id="{23210FEB-3E3F-4CBE-9150-D6D5FCDC3A4C}" v="36" dt="2019-05-13T01:55:16.580"/>
+    <p1510:client id="{312338CB-D306-4BFB-945E-A7B909E70C14}" v="1" dt="2019-05-13T16:08:46.162"/>
     <p1510:client id="{76D10263-B079-47E9-8255-7B654D8D15D5}" v="33" dt="2019-05-13T12:40:03.558"/>
     <p1510:client id="{ACA39DFA-CD45-4A0F-8A00-66B4707D097E}" v="1579" dt="2019-05-13T14:41:16.702"/>
     <p1510:client id="{F702C5A7-04D0-43B5-8952-1EC2F833B1BD}" v="2" dt="2019-05-13T02:29:50.883"/>
   </p1510:revLst>
 </p1510:revInfo>
-</file>
-
-<file path=ppt/handoutMasters/handoutMaster1.xml><?xml version="1.0" encoding="utf-8"?>
-<p:handoutMaster xmlns:a="http://schemas.openxmlformats.org/drawingml/2006/main" xmlns:r="http://schemas.openxmlformats.org/officeDocument/2006/relationships" xmlns:p="http://schemas.openxmlformats.org/presentationml/2006/main">
-  <p:cSld>
-    <p:bg>
-      <p:bgRef idx="1001">
-        <a:schemeClr val="bg1"/>
-      </p:bgRef>
-    </p:bg>
-    <p:spTree>
-      <p:nvGrpSpPr>
-        <p:cNvPr id="1" name=""/>
-        <p:cNvGrpSpPr/>
-        <p:nvPr/>
-      </p:nvGrpSpPr>
-      <p:grpSpPr>
-        <a:xfrm>
-          <a:off x="0" y="0"/>
-          <a:ext cx="0" cy="0"/>
-          <a:chOff x="0" y="0"/>
-          <a:chExt cx="0" cy="0"/>
-        </a:xfrm>
-      </p:grpSpPr>
-      <p:sp>
-        <p:nvSpPr>
-          <p:cNvPr id="2" name="Header Placeholder 1"/>
-          <p:cNvSpPr>
-            <a:spLocks noGrp="1"/>
-          </p:cNvSpPr>
-          <p:nvPr>
-            <p:ph type="hdr" sz="quarter"/>
-          </p:nvPr>
-        </p:nvSpPr>
-        <p:spPr>
-          <a:xfrm>
-            <a:off x="0" y="0"/>
-            <a:ext cx="2971800" cy="457200"/>
-          </a:xfrm>
-          <a:prstGeom prst="rect">
-            <a:avLst/>
-          </a:prstGeom>
-        </p:spPr>
-        <p:txBody>
-          <a:bodyPr vert="horz" lIns="91440" tIns="45720" rIns="91440" bIns="45720" rtlCol="0"/>
-          <a:lstStyle>
-            <a:lvl1pPr algn="l">
-              <a:defRPr sz="1200"/>
-            </a:lvl1pPr>
-          </a:lstStyle>
-          <a:p>
-            <a:endParaRPr lang="en-US"/>
-          </a:p>
-        </p:txBody>
-      </p:sp>
-      <p:sp>
-        <p:nvSpPr>
-          <p:cNvPr id="3" name="Date Placeholder 2"/>
-          <p:cNvSpPr>
-            <a:spLocks noGrp="1"/>
-          </p:cNvSpPr>
-          <p:nvPr>
-            <p:ph type="dt" sz="quarter" idx="1"/>
-          </p:nvPr>
-        </p:nvSpPr>
-        <p:spPr>
-          <a:xfrm>
-            <a:off x="3884613" y="0"/>
-            <a:ext cx="2971800" cy="457200"/>
-          </a:xfrm>
-          <a:prstGeom prst="rect">
-            <a:avLst/>
-          </a:prstGeom>
-        </p:spPr>
-        <p:txBody>
-          <a:bodyPr vert="horz" lIns="91440" tIns="45720" rIns="91440" bIns="45720" rtlCol="0"/>
-          <a:lstStyle>
-            <a:lvl1pPr algn="r">
-              <a:defRPr sz="1200"/>
-            </a:lvl1pPr>
-          </a:lstStyle>
-          <a:p>
-            <a:fld id="{8D1637CE-EDC9-5345-8C7E-B9D2DAB4CEF1}" type="datetimeFigureOut">
-              <a:rPr lang="en-US" smtClean="0"/>
-              <a:t>5/13/19</a:t>
-            </a:fld>
-            <a:endParaRPr lang="en-US"/>
-          </a:p>
-        </p:txBody>
-      </p:sp>
-      <p:sp>
-        <p:nvSpPr>
-          <p:cNvPr id="4" name="Footer Placeholder 3"/>
-          <p:cNvSpPr>
-            <a:spLocks noGrp="1"/>
-          </p:cNvSpPr>
-          <p:nvPr>
-            <p:ph type="ftr" sz="quarter" idx="2"/>
-          </p:nvPr>
-        </p:nvSpPr>
-        <p:spPr>
-          <a:xfrm>
-            <a:off x="0" y="8685213"/>
-            <a:ext cx="2971800" cy="457200"/>
-          </a:xfrm>
-          <a:prstGeom prst="rect">
-            <a:avLst/>
-          </a:prstGeom>
-        </p:spPr>
-        <p:txBody>
-          <a:bodyPr vert="horz" lIns="91440" tIns="45720" rIns="91440" bIns="45720" rtlCol="0" anchor="b"/>
-          <a:lstStyle>
-            <a:lvl1pPr algn="l">
-              <a:defRPr sz="1200"/>
-            </a:lvl1pPr>
-          </a:lstStyle>
-          <a:p>
-            <a:endParaRPr lang="en-US"/>
-          </a:p>
-        </p:txBody>
-      </p:sp>
-      <p:sp>
-        <p:nvSpPr>
-          <p:cNvPr id="5" name="Slide Number Placeholder 4"/>
-          <p:cNvSpPr>
-            <a:spLocks noGrp="1"/>
-          </p:cNvSpPr>
-          <p:nvPr>
-            <p:ph type="sldNum" sz="quarter" idx="3"/>
-          </p:nvPr>
-        </p:nvSpPr>
-        <p:spPr>
-          <a:xfrm>
-            <a:off x="3884613" y="8685213"/>
-            <a:ext cx="2971800" cy="457200"/>
-          </a:xfrm>
-          <a:prstGeom prst="rect">
-            <a:avLst/>
-          </a:prstGeom>
-        </p:spPr>
-        <p:txBody>
-          <a:bodyPr vert="horz" lIns="91440" tIns="45720" rIns="91440" bIns="45720" rtlCol="0" anchor="b"/>
-          <a:lstStyle>
-            <a:lvl1pPr algn="r">
-              <a:defRPr sz="1200"/>
-            </a:lvl1pPr>
-          </a:lstStyle>
-          <a:p>
-            <a:fld id="{FE71F726-75C8-4E40-BAEB-9AA185FCD4A6}" type="slidenum">
-              <a:rPr lang="en-US" smtClean="0"/>
-              <a:t>‹#›</a:t>
-            </a:fld>
-            <a:endParaRPr lang="en-US"/>
-          </a:p>
-        </p:txBody>
-      </p:sp>
-    </p:spTree>
-    <p:extLst>
-      <p:ext uri="{BB962C8B-B14F-4D97-AF65-F5344CB8AC3E}">
-        <p14:creationId xmlns:p14="http://schemas.microsoft.com/office/powerpoint/2010/main" val="3532197012"/>
-      </p:ext>
-    </p:extLst>
-  </p:cSld>
-  <p:clrMap bg1="lt1" tx1="dk1" bg2="lt2" tx2="dk2" accent1="accent1" accent2="accent2" accent3="accent3" accent4="accent4" accent5="accent5" accent6="accent6" hlink="hlink" folHlink="folHlink"/>
-  <p:hf hdr="0" ftr="0" dt="0"/>
-</p:handoutMaster>
 </file>
 
 <file path=ppt/notesMasters/notesMaster1.xml><?xml version="1.0" encoding="utf-8"?>
@@ -384,7 +216,7 @@
           <a:p>
             <a:fld id="{96AEEDB4-1E37-439A-A22B-D5AC2D04EF08}" type="datetimeFigureOut">
               <a:rPr lang="en-US" smtClean="0"/>
-              <a:t>5/13/19</a:t>
+              <a:t>5/13/2019</a:t>
             </a:fld>
             <a:endParaRPr lang="en-US"/>
           </a:p>
@@ -556,7 +388,6 @@
     </p:extLst>
   </p:cSld>
   <p:clrMap bg1="lt1" tx1="dk1" bg2="lt2" tx2="dk2" accent1="accent1" accent2="accent2" accent3="accent3" accent4="accent4" accent5="accent5" accent6="accent6" hlink="hlink" folHlink="folHlink"/>
-  <p:hf hdr="0" ftr="0" dt="0"/>
   <p:notesStyle>
     <a:lvl1pPr marL="0" algn="l" defTabSz="914400" rtl="0" eaLnBrk="1" latinLnBrk="0" hangingPunct="1">
       <a:defRPr sz="1200" kern="1200">
@@ -868,9 +699,9 @@
           <a:bodyPr/>
           <a:lstStyle/>
           <a:p>
-            <a:fld id="{C3FAFC84-9E5F-6441-BE5E-0288992FE81D}" type="datetime1">
+            <a:fld id="{846CE7D5-CF57-46EF-B807-FDD0502418D4}" type="datetimeFigureOut">
               <a:rPr lang="en-US" smtClean="0"/>
-              <a:t>5/13/19</a:t>
+              <a:t>5/13/2019</a:t>
             </a:fld>
             <a:endParaRPr lang="en-US"/>
           </a:p>
@@ -1036,9 +867,9 @@
           <a:bodyPr/>
           <a:lstStyle/>
           <a:p>
-            <a:fld id="{13F24B69-5E05-8C46-9A39-EB1AFF205802}" type="datetime1">
+            <a:fld id="{846CE7D5-CF57-46EF-B807-FDD0502418D4}" type="datetimeFigureOut">
               <a:rPr lang="en-US" smtClean="0"/>
-              <a:t>5/13/19</a:t>
+              <a:t>5/13/2019</a:t>
             </a:fld>
             <a:endParaRPr lang="en-US"/>
           </a:p>
@@ -1214,9 +1045,9 @@
           <a:bodyPr/>
           <a:lstStyle/>
           <a:p>
-            <a:fld id="{404CDC9A-29C2-D041-AFD2-A6F3484AA475}" type="datetime1">
+            <a:fld id="{846CE7D5-CF57-46EF-B807-FDD0502418D4}" type="datetimeFigureOut">
               <a:rPr lang="en-US" smtClean="0"/>
-              <a:t>5/13/19</a:t>
+              <a:t>5/13/2019</a:t>
             </a:fld>
             <a:endParaRPr lang="en-US"/>
           </a:p>
@@ -1382,9 +1213,9 @@
           <a:bodyPr/>
           <a:lstStyle/>
           <a:p>
-            <a:fld id="{C6550B8B-6313-9C48-8748-046FF817DA62}" type="datetime1">
+            <a:fld id="{846CE7D5-CF57-46EF-B807-FDD0502418D4}" type="datetimeFigureOut">
               <a:rPr lang="en-US" smtClean="0"/>
-              <a:t>5/13/19</a:t>
+              <a:t>5/13/2019</a:t>
             </a:fld>
             <a:endParaRPr lang="en-US"/>
           </a:p>
@@ -1625,9 +1456,9 @@
           <a:bodyPr/>
           <a:lstStyle/>
           <a:p>
-            <a:fld id="{DA1C060E-1DD2-3A45-820C-E0ADEBA556D8}" type="datetime1">
+            <a:fld id="{846CE7D5-CF57-46EF-B807-FDD0502418D4}" type="datetimeFigureOut">
               <a:rPr lang="en-US" smtClean="0"/>
-              <a:t>5/13/19</a:t>
+              <a:t>5/13/2019</a:t>
             </a:fld>
             <a:endParaRPr lang="en-US"/>
           </a:p>
@@ -1854,9 +1685,9 @@
           <a:bodyPr/>
           <a:lstStyle/>
           <a:p>
-            <a:fld id="{47FDF108-E30F-4E4A-8AF6-1AA79C4228A2}" type="datetime1">
+            <a:fld id="{846CE7D5-CF57-46EF-B807-FDD0502418D4}" type="datetimeFigureOut">
               <a:rPr lang="en-US" smtClean="0"/>
-              <a:t>5/13/19</a:t>
+              <a:t>5/13/2019</a:t>
             </a:fld>
             <a:endParaRPr lang="en-US"/>
           </a:p>
@@ -2218,9 +2049,9 @@
           <a:bodyPr/>
           <a:lstStyle/>
           <a:p>
-            <a:fld id="{741A24FA-8256-0041-9ECF-409B941695BA}" type="datetime1">
+            <a:fld id="{846CE7D5-CF57-46EF-B807-FDD0502418D4}" type="datetimeFigureOut">
               <a:rPr lang="en-US" smtClean="0"/>
-              <a:t>5/13/19</a:t>
+              <a:t>5/13/2019</a:t>
             </a:fld>
             <a:endParaRPr lang="en-US"/>
           </a:p>
@@ -2335,9 +2166,9 @@
           <a:bodyPr/>
           <a:lstStyle/>
           <a:p>
-            <a:fld id="{CE288E8C-5E1D-9949-AE56-230A81F9776E}" type="datetime1">
+            <a:fld id="{846CE7D5-CF57-46EF-B807-FDD0502418D4}" type="datetimeFigureOut">
               <a:rPr lang="en-US" smtClean="0"/>
-              <a:t>5/13/19</a:t>
+              <a:t>5/13/2019</a:t>
             </a:fld>
             <a:endParaRPr lang="en-US"/>
           </a:p>
@@ -2430,9 +2261,9 @@
           <a:bodyPr/>
           <a:lstStyle/>
           <a:p>
-            <a:fld id="{9502D764-4CEE-3F45-96F1-48499898F5D5}" type="datetime1">
+            <a:fld id="{846CE7D5-CF57-46EF-B807-FDD0502418D4}" type="datetimeFigureOut">
               <a:rPr lang="en-US" smtClean="0"/>
-              <a:t>5/13/19</a:t>
+              <a:t>5/13/2019</a:t>
             </a:fld>
             <a:endParaRPr lang="en-US"/>
           </a:p>
@@ -2705,9 +2536,9 @@
           <a:bodyPr/>
           <a:lstStyle/>
           <a:p>
-            <a:fld id="{B9957955-42D2-C342-8D6B-A664668D4FEC}" type="datetime1">
+            <a:fld id="{846CE7D5-CF57-46EF-B807-FDD0502418D4}" type="datetimeFigureOut">
               <a:rPr lang="en-US" smtClean="0"/>
-              <a:t>5/13/19</a:t>
+              <a:t>5/13/2019</a:t>
             </a:fld>
             <a:endParaRPr lang="en-US"/>
           </a:p>
@@ -2957,9 +2788,9 @@
           <a:bodyPr/>
           <a:lstStyle/>
           <a:p>
-            <a:fld id="{4F52B117-14AD-B846-A19E-AA213ED329C2}" type="datetime1">
+            <a:fld id="{846CE7D5-CF57-46EF-B807-FDD0502418D4}" type="datetimeFigureOut">
               <a:rPr lang="en-US" smtClean="0"/>
-              <a:t>5/13/19</a:t>
+              <a:t>5/13/2019</a:t>
             </a:fld>
             <a:endParaRPr lang="en-US"/>
           </a:p>
@@ -3168,9 +2999,9 @@
             </a:lvl1pPr>
           </a:lstStyle>
           <a:p>
-            <a:fld id="{9B8B8C23-2667-7F4D-BEB2-4169957449BB}" type="datetime1">
+            <a:fld id="{846CE7D5-CF57-46EF-B807-FDD0502418D4}" type="datetimeFigureOut">
               <a:rPr lang="en-US" smtClean="0"/>
-              <a:t>5/13/19</a:t>
+              <a:t>5/13/2019</a:t>
             </a:fld>
             <a:endParaRPr lang="en-US"/>
           </a:p>
@@ -3275,7 +3106,6 @@
     <p:sldLayoutId id="2147483706" r:id="rId10"/>
     <p:sldLayoutId id="2147483707" r:id="rId11"/>
   </p:sldLayoutIdLst>
-  <p:hf hdr="0" ftr="0" dt="0"/>
   <p:txStyles>
     <p:titleStyle>
       <a:lvl1pPr algn="l" defTabSz="914400" rtl="0" eaLnBrk="1" latinLnBrk="0" hangingPunct="1">
@@ -3589,7 +3419,7 @@
           <p:cNvPr id="2" name="TextBox 1">
             <a:extLst>
               <a:ext uri="{FF2B5EF4-FFF2-40B4-BE49-F238E27FC236}">
-                <a16:creationId xmlns="" xmlns:a16="http://schemas.microsoft.com/office/drawing/2014/main" id="{53BC4865-EA67-4DF4-9A86-1096BFFC87DB}"/>
+                <a16:creationId xmlns:a16="http://schemas.microsoft.com/office/drawing/2014/main" id="{53BC4865-EA67-4DF4-9A86-1096BFFC87DB}"/>
               </a:ext>
             </a:extLst>
           </p:cNvPr>
@@ -3626,13 +3456,18 @@
               </a:spcAft>
             </a:pPr>
             <a:r>
-              <a:rPr lang="en-US" sz="5400" dirty="0">
-                <a:latin typeface="Times New Roman"/>
+              <a:rPr lang="en-US" sz="5400">
+                <a:latin typeface="+mj-lt"/>
                 <a:ea typeface="+mj-ea"/>
-                <a:cs typeface="Times New Roman"/>
+                <a:cs typeface="+mj-cs"/>
               </a:rPr>
               <a:t>Extracting insights from FOMC Statements</a:t>
             </a:r>
+            <a:endParaRPr lang="en-US" sz="5400">
+              <a:latin typeface="+mj-lt"/>
+              <a:ea typeface="+mj-ea"/>
+              <a:cs typeface="Calibri Light"/>
+            </a:endParaRPr>
           </a:p>
         </p:txBody>
       </p:sp>
@@ -3641,7 +3476,7 @@
           <p:cNvPr id="7" name="Picture 8" descr="A picture containing outdoor&#10;&#10;Description generated with high confidence">
             <a:extLst>
               <a:ext uri="{FF2B5EF4-FFF2-40B4-BE49-F238E27FC236}">
-                <a16:creationId xmlns="" xmlns:a16="http://schemas.microsoft.com/office/drawing/2014/main" id="{C34830DE-4509-4CB3-8BC2-5EEF2DD22C52}"/>
+                <a16:creationId xmlns:a16="http://schemas.microsoft.com/office/drawing/2014/main" id="{C34830DE-4509-4CB3-8BC2-5EEF2DD22C52}"/>
               </a:ext>
             </a:extLst>
           </p:cNvPr>
@@ -3671,7 +3506,7 @@
           <p:cNvPr id="3" name="TextBox 2">
             <a:extLst>
               <a:ext uri="{FF2B5EF4-FFF2-40B4-BE49-F238E27FC236}">
-                <a16:creationId xmlns="" xmlns:a16="http://schemas.microsoft.com/office/drawing/2014/main" id="{DFA40D71-CDE8-4CCF-935C-61EABAA5A255}"/>
+                <a16:creationId xmlns:a16="http://schemas.microsoft.com/office/drawing/2014/main" id="{DFA40D71-CDE8-4CCF-935C-61EABAA5A255}"/>
               </a:ext>
             </a:extLst>
           </p:cNvPr>
@@ -3777,13 +3612,6 @@
   <p:clrMapOvr>
     <a:masterClrMapping/>
   </p:clrMapOvr>
-  <p:timing>
-    <p:tnLst>
-      <p:par>
-        <p:cTn xmlns:p14="http://schemas.microsoft.com/office/powerpoint/2010/main" id="1" dur="indefinite" restart="never" nodeType="tmRoot"/>
-      </p:par>
-    </p:tnLst>
-  </p:timing>
 </p:sld>
 </file>
 
@@ -3809,7 +3637,7 @@
           <p:cNvPr id="11" name="TextBox 10">
             <a:extLst>
               <a:ext uri="{FF2B5EF4-FFF2-40B4-BE49-F238E27FC236}">
-                <a16:creationId xmlns="" xmlns:a16="http://schemas.microsoft.com/office/drawing/2014/main" id="{655EEFA5-CF57-428E-A3EA-96C38FC8F0DA}"/>
+                <a16:creationId xmlns:a16="http://schemas.microsoft.com/office/drawing/2014/main" id="{655EEFA5-CF57-428E-A3EA-96C38FC8F0DA}"/>
               </a:ext>
             </a:extLst>
           </p:cNvPr>
@@ -3850,7 +3678,7 @@
           <a:p>
             <a:pPr algn="ctr"/>
             <a:r>
-              <a:rPr lang="en-US" sz="2400" b="1" dirty="0">
+              <a:rPr lang="en-US" sz="2400" b="1">
                 <a:latin typeface="Times"/>
                 <a:cs typeface="Calibri"/>
               </a:rPr>
@@ -3864,7 +3692,7 @@
           <p:cNvPr id="6" name="Picture 6" descr="A person wearing a suit and tie&#10;&#10;Description generated with very high confidence">
             <a:extLst>
               <a:ext uri="{FF2B5EF4-FFF2-40B4-BE49-F238E27FC236}">
-                <a16:creationId xmlns="" xmlns:a16="http://schemas.microsoft.com/office/drawing/2014/main" id="{AA04C639-D67A-412C-98D8-A33BC9C0DB32}"/>
+                <a16:creationId xmlns:a16="http://schemas.microsoft.com/office/drawing/2014/main" id="{AA04C639-D67A-412C-98D8-A33BC9C0DB32}"/>
               </a:ext>
             </a:extLst>
           </p:cNvPr>
@@ -3894,7 +3722,7 @@
           <p:cNvPr id="8" name="Picture 8" descr="A screenshot of a cell phone&#10;&#10;Description generated with very high confidence">
             <a:extLst>
               <a:ext uri="{FF2B5EF4-FFF2-40B4-BE49-F238E27FC236}">
-                <a16:creationId xmlns="" xmlns:a16="http://schemas.microsoft.com/office/drawing/2014/main" id="{2911C1F8-42E0-45FA-887C-84DA6A670130}"/>
+                <a16:creationId xmlns:a16="http://schemas.microsoft.com/office/drawing/2014/main" id="{2911C1F8-42E0-45FA-887C-84DA6A670130}"/>
               </a:ext>
             </a:extLst>
           </p:cNvPr>
@@ -3924,7 +3752,7 @@
           <p:cNvPr id="10" name="TextBox 9">
             <a:extLst>
               <a:ext uri="{FF2B5EF4-FFF2-40B4-BE49-F238E27FC236}">
-                <a16:creationId xmlns="" xmlns:a16="http://schemas.microsoft.com/office/drawing/2014/main" id="{16FF5F1A-FF4B-40E3-9430-324C50B9938F}"/>
+                <a16:creationId xmlns:a16="http://schemas.microsoft.com/office/drawing/2014/main" id="{16FF5F1A-FF4B-40E3-9430-324C50B9938F}"/>
               </a:ext>
             </a:extLst>
           </p:cNvPr>
@@ -3935,171 +3763,6 @@
           <a:xfrm>
             <a:off x="6670076" y="3232941"/>
             <a:ext cx="2157464" cy="2031325"/>
-          </a:xfrm>
-          <a:prstGeom prst="rect">
-            <a:avLst/>
-          </a:prstGeom>
-          <a:solidFill>
-            <a:schemeClr val="bg1">
-              <a:lumMod val="85000"/>
-            </a:schemeClr>
-          </a:solidFill>
-          <a:ln w="6350">
-            <a:solidFill>
-              <a:schemeClr val="tx1"/>
-            </a:solidFill>
-          </a:ln>
-        </p:spPr>
-        <p:txBody>
-          <a:bodyPr rot="0" spcFirstLastPara="0" vertOverflow="overflow" horzOverflow="overflow" vert="horz" wrap="square" lIns="91440" tIns="45720" rIns="91440" bIns="45720" numCol="1" spcCol="0" rtlCol="0" fromWordArt="0" anchor="t" anchorCtr="0" forceAA="0" compatLnSpc="1">
-            <a:prstTxWarp prst="textNoShape">
-              <a:avLst/>
-            </a:prstTxWarp>
-            <a:spAutoFit/>
-          </a:bodyPr>
-          <a:lstStyle/>
-          <a:p>
-            <a:r>
-              <a:rPr lang="en-US" u="sng" dirty="0">
-                <a:latin typeface="Times"/>
-                <a:cs typeface="Calibri"/>
-              </a:rPr>
-              <a:t>Key Attributes</a:t>
-            </a:r>
-          </a:p>
-          <a:p>
-            <a:r>
-              <a:rPr lang="en-US" dirty="0">
-                <a:solidFill>
-                  <a:srgbClr val="2BFFFF"/>
-                </a:solidFill>
-                <a:effectLst>
-                  <a:outerShdw blurRad="50800" dist="38100" dir="2700000" algn="tl" rotWithShape="0">
-                    <a:srgbClr val="000000">
-                      <a:alpha val="43000"/>
-                    </a:srgbClr>
-                  </a:outerShdw>
-                </a:effectLst>
-                <a:highlight>
-                  <a:srgbClr val="00FFFF"/>
-                </a:highlight>
-                <a:latin typeface="Times"/>
-                <a:cs typeface="Calibri"/>
-              </a:rPr>
-              <a:t>Economic Growth</a:t>
-            </a:r>
-          </a:p>
-          <a:p>
-            <a:r>
-              <a:rPr lang="en-US" dirty="0">
-                <a:solidFill>
-                  <a:srgbClr val="FFFF00"/>
-                </a:solidFill>
-                <a:effectLst>
-                  <a:outerShdw blurRad="50800" dist="38100" dir="2700000" algn="tl" rotWithShape="0">
-                    <a:srgbClr val="000000">
-                      <a:alpha val="43000"/>
-                    </a:srgbClr>
-                  </a:outerShdw>
-                </a:effectLst>
-                <a:highlight>
-                  <a:srgbClr val="FFFF00"/>
-                </a:highlight>
-                <a:latin typeface="Times"/>
-                <a:cs typeface="Calibri"/>
-              </a:rPr>
-              <a:t>Employment</a:t>
-            </a:r>
-          </a:p>
-          <a:p>
-            <a:r>
-              <a:rPr lang="en-US" dirty="0">
-                <a:solidFill>
-                  <a:srgbClr val="FF0000"/>
-                </a:solidFill>
-                <a:effectLst>
-                  <a:outerShdw blurRad="38100" dist="38100" dir="2700000" algn="tl" rotWithShape="0">
-                    <a:srgbClr val="000000">
-                      <a:alpha val="43000"/>
-                    </a:srgbClr>
-                  </a:outerShdw>
-                </a:effectLst>
-                <a:highlight>
-                  <a:srgbClr val="FF0000"/>
-                </a:highlight>
-                <a:latin typeface="Times"/>
-                <a:cs typeface="Calibri"/>
-              </a:rPr>
-              <a:t>Inflation</a:t>
-            </a:r>
-          </a:p>
-          <a:p>
-            <a:r>
-              <a:rPr lang="en-US" dirty="0">
-                <a:solidFill>
-                  <a:schemeClr val="accent2">
-                    <a:lumMod val="75000"/>
-                  </a:schemeClr>
-                </a:solidFill>
-                <a:effectLst>
-                  <a:outerShdw blurRad="50800" dist="38100" dir="2700000" algn="tl" rotWithShape="0">
-                    <a:srgbClr val="000000">
-                      <a:alpha val="43000"/>
-                    </a:srgbClr>
-                  </a:outerShdw>
-                </a:effectLst>
-                <a:latin typeface="Times"/>
-                <a:cs typeface="Calibri"/>
-              </a:rPr>
-              <a:t>Future Rate Outlook</a:t>
-            </a:r>
-          </a:p>
-          <a:p>
-            <a:r>
-              <a:rPr lang="en-US" dirty="0">
-                <a:solidFill>
-                  <a:srgbClr val="26CD28"/>
-                </a:solidFill>
-                <a:effectLst>
-                  <a:outerShdw blurRad="50800" dist="38100" dir="2700000" algn="tl" rotWithShape="0">
-                    <a:srgbClr val="000000">
-                      <a:alpha val="43000"/>
-                    </a:srgbClr>
-                  </a:outerShdw>
-                </a:effectLst>
-                <a:highlight>
-                  <a:srgbClr val="00FF00"/>
-                </a:highlight>
-                <a:latin typeface="Times"/>
-                <a:cs typeface="Calibri"/>
-              </a:rPr>
-              <a:t>Policy Rate Target</a:t>
-            </a:r>
-          </a:p>
-          <a:p>
-            <a:endParaRPr lang="en-US" dirty="0">
-              <a:latin typeface="Times"/>
-              <a:cs typeface="Calibri"/>
-            </a:endParaRPr>
-          </a:p>
-        </p:txBody>
-      </p:sp>
-      <p:sp>
-        <p:nvSpPr>
-          <p:cNvPr id="15" name="TextBox 14">
-            <a:extLst>
-              <a:ext uri="{FF2B5EF4-FFF2-40B4-BE49-F238E27FC236}">
-                <a16:creationId xmlns="" xmlns:a16="http://schemas.microsoft.com/office/drawing/2014/main" id="{51787318-42CE-418A-9A38-8B0B32B61AC9}"/>
-              </a:ext>
-            </a:extLst>
-          </p:cNvPr>
-          <p:cNvSpPr txBox="1"/>
-          <p:nvPr/>
-        </p:nvSpPr>
-        <p:spPr>
-          <a:xfrm>
-            <a:off x="6920233" y="5464028"/>
-            <a:ext cx="1653080" cy="923330"/>
           </a:xfrm>
           <a:prstGeom prst="rect">
             <a:avLst/>
@@ -4110,6 +3773,11 @@
               <a:lumOff val="80000"/>
             </a:schemeClr>
           </a:solidFill>
+          <a:ln w="6350">
+            <a:solidFill>
+              <a:schemeClr val="tx1"/>
+            </a:solidFill>
+          </a:ln>
         </p:spPr>
         <p:txBody>
           <a:bodyPr rot="0" spcFirstLastPara="0" vertOverflow="overflow" horzOverflow="overflow" vert="horz" wrap="square" lIns="91440" tIns="45720" rIns="91440" bIns="45720" numCol="1" spcCol="0" rtlCol="0" fromWordArt="0" anchor="t" anchorCtr="0" forceAA="0" compatLnSpc="1">
@@ -4120,9 +3788,123 @@
           </a:bodyPr>
           <a:lstStyle/>
           <a:p>
+            <a:r>
+              <a:rPr lang="en-US" u="sng">
+                <a:latin typeface="Times"/>
+                <a:cs typeface="Calibri"/>
+              </a:rPr>
+              <a:t>Key Attributes</a:t>
+            </a:r>
+          </a:p>
+          <a:p>
+            <a:r>
+              <a:rPr lang="en-US">
+                <a:highlight>
+                  <a:srgbClr val="00FFFF"/>
+                </a:highlight>
+                <a:latin typeface="Times"/>
+                <a:cs typeface="Calibri"/>
+              </a:rPr>
+              <a:t>Economic Growth</a:t>
+            </a:r>
+          </a:p>
+          <a:p>
+            <a:r>
+              <a:rPr lang="en-US">
+                <a:highlight>
+                  <a:srgbClr val="FFFF00"/>
+                </a:highlight>
+                <a:latin typeface="Times"/>
+                <a:cs typeface="Calibri"/>
+              </a:rPr>
+              <a:t>Employment</a:t>
+            </a:r>
+          </a:p>
+          <a:p>
+            <a:r>
+              <a:rPr lang="en-US">
+                <a:highlight>
+                  <a:srgbClr val="FF0000"/>
+                </a:highlight>
+                <a:latin typeface="Times"/>
+                <a:cs typeface="Calibri"/>
+              </a:rPr>
+              <a:t>Inflation</a:t>
+            </a:r>
+          </a:p>
+          <a:p>
+            <a:r>
+              <a:rPr lang="en-US">
+                <a:solidFill>
+                  <a:schemeClr val="accent2">
+                    <a:lumMod val="75000"/>
+                  </a:schemeClr>
+                </a:solidFill>
+                <a:latin typeface="Times"/>
+                <a:cs typeface="Calibri"/>
+              </a:rPr>
+              <a:t>Future Rate Outlook</a:t>
+            </a:r>
+          </a:p>
+          <a:p>
+            <a:r>
+              <a:rPr lang="en-US">
+                <a:highlight>
+                  <a:srgbClr val="00FF00"/>
+                </a:highlight>
+                <a:latin typeface="Times"/>
+                <a:cs typeface="Calibri"/>
+              </a:rPr>
+              <a:t>Policy Rate Target</a:t>
+            </a:r>
+          </a:p>
+          <a:p>
+            <a:endParaRPr lang="en-US">
+              <a:latin typeface="Times"/>
+              <a:cs typeface="Calibri"/>
+            </a:endParaRPr>
+          </a:p>
+        </p:txBody>
+      </p:sp>
+      <p:sp>
+        <p:nvSpPr>
+          <p:cNvPr id="15" name="TextBox 14">
+            <a:extLst>
+              <a:ext uri="{FF2B5EF4-FFF2-40B4-BE49-F238E27FC236}">
+                <a16:creationId xmlns:a16="http://schemas.microsoft.com/office/drawing/2014/main" id="{51787318-42CE-418A-9A38-8B0B32B61AC9}"/>
+              </a:ext>
+            </a:extLst>
+          </p:cNvPr>
+          <p:cNvSpPr txBox="1"/>
+          <p:nvPr/>
+        </p:nvSpPr>
+        <p:spPr>
+          <a:xfrm>
+            <a:off x="6920233" y="5464028"/>
+            <a:ext cx="1653080" cy="923330"/>
+          </a:xfrm>
+          <a:prstGeom prst="rect">
+            <a:avLst/>
+          </a:prstGeom>
+          <a:solidFill>
+            <a:schemeClr val="accent4">
+              <a:lumMod val="20000"/>
+              <a:lumOff val="80000"/>
+            </a:schemeClr>
+          </a:solidFill>
+        </p:spPr>
+        <p:txBody>
+          <a:bodyPr rot="0" spcFirstLastPara="0" vertOverflow="overflow" horzOverflow="overflow" vert="horz" wrap="square" lIns="91440" tIns="45720" rIns="91440" bIns="45720" numCol="1" spcCol="0" rtlCol="0" fromWordArt="0" anchor="t" anchorCtr="0" forceAA="0" compatLnSpc="1">
+            <a:prstTxWarp prst="textNoShape">
+              <a:avLst/>
+            </a:prstTxWarp>
+            <a:spAutoFit/>
+          </a:bodyPr>
+          <a:lstStyle/>
+          <a:p>
             <a:pPr algn="ctr"/>
             <a:r>
-              <a:rPr lang="en-US" dirty="0">
+              <a:rPr lang="en-US">
                 <a:latin typeface="Times"/>
                 <a:cs typeface="Calibri"/>
               </a:rPr>
@@ -4132,7 +3914,7 @@
           <a:p>
             <a:pPr algn="ctr"/>
             <a:r>
-              <a:rPr lang="en-US" dirty="0">
+              <a:rPr lang="en-US">
                 <a:latin typeface="Times"/>
                 <a:cs typeface="Calibri"/>
               </a:rPr>
@@ -4141,29 +3923,6 @@
             <a:endParaRPr lang="en-US">
               <a:cs typeface="Calibri" panose="020F0502020204030204"/>
             </a:endParaRPr>
-          </a:p>
-        </p:txBody>
-      </p:sp>
-      <p:sp>
-        <p:nvSpPr>
-          <p:cNvPr id="2" name="Slide Number Placeholder 1"/>
-          <p:cNvSpPr>
-            <a:spLocks noGrp="1"/>
-          </p:cNvSpPr>
-          <p:nvPr>
-            <p:ph type="sldNum" sz="quarter" idx="12"/>
-          </p:nvPr>
-        </p:nvSpPr>
-        <p:spPr/>
-        <p:txBody>
-          <a:bodyPr/>
-          <a:lstStyle/>
-          <a:p>
-            <a:fld id="{330EA680-D336-4FF7-8B7A-9848BB0A1C32}" type="slidenum">
-              <a:rPr lang="en-US" smtClean="0"/>
-              <a:t>2</a:t>
-            </a:fld>
-            <a:endParaRPr lang="en-US" dirty="0"/>
           </a:p>
         </p:txBody>
       </p:sp>
@@ -4177,13 +3936,6 @@
   <p:clrMapOvr>
     <a:masterClrMapping/>
   </p:clrMapOvr>
-  <p:timing>
-    <p:tnLst>
-      <p:par>
-        <p:cTn xmlns:p14="http://schemas.microsoft.com/office/powerpoint/2010/main" id="1" dur="indefinite" restart="never" nodeType="tmRoot"/>
-      </p:par>
-    </p:tnLst>
-  </p:timing>
 </p:sld>
 </file>
 
@@ -4209,7 +3961,7 @@
           <p:cNvPr id="6" name="Picture 7" descr="A close up of a device&#10;&#10;Description generated with high confidence">
             <a:extLst>
               <a:ext uri="{FF2B5EF4-FFF2-40B4-BE49-F238E27FC236}">
-                <a16:creationId xmlns="" xmlns:a16="http://schemas.microsoft.com/office/drawing/2014/main" id="{7E6CD3B5-1F8C-4665-B407-E3007AF23D23}"/>
+                <a16:creationId xmlns:a16="http://schemas.microsoft.com/office/drawing/2014/main" id="{7E6CD3B5-1F8C-4665-B407-E3007AF23D23}"/>
               </a:ext>
             </a:extLst>
           </p:cNvPr>
@@ -4241,7 +3993,7 @@
           <p:cNvPr id="4" name="TextBox 3">
             <a:extLst>
               <a:ext uri="{FF2B5EF4-FFF2-40B4-BE49-F238E27FC236}">
-                <a16:creationId xmlns="" xmlns:a16="http://schemas.microsoft.com/office/drawing/2014/main" id="{BCD02005-C7F2-4980-88D8-AB80B5F35343}"/>
+                <a16:creationId xmlns:a16="http://schemas.microsoft.com/office/drawing/2014/main" id="{BCD02005-C7F2-4980-88D8-AB80B5F35343}"/>
               </a:ext>
             </a:extLst>
           </p:cNvPr>
@@ -4282,7 +4034,7 @@
           <a:p>
             <a:pPr algn="ctr"/>
             <a:r>
-              <a:rPr lang="en-US" sz="2000" b="1" dirty="0">
+              <a:rPr lang="en-US" sz="2000" b="1">
                 <a:latin typeface="Times"/>
                 <a:cs typeface="Calibri"/>
               </a:rPr>
@@ -4296,7 +4048,7 @@
           <p:cNvPr id="9" name="TextBox 8">
             <a:extLst>
               <a:ext uri="{FF2B5EF4-FFF2-40B4-BE49-F238E27FC236}">
-                <a16:creationId xmlns="" xmlns:a16="http://schemas.microsoft.com/office/drawing/2014/main" id="{59B3A901-BB1A-44D5-8EDE-FB4385D9908C}"/>
+                <a16:creationId xmlns:a16="http://schemas.microsoft.com/office/drawing/2014/main" id="{59B3A901-BB1A-44D5-8EDE-FB4385D9908C}"/>
               </a:ext>
             </a:extLst>
           </p:cNvPr>
@@ -4325,7 +4077,7 @@
           <a:lstStyle/>
           <a:p>
             <a:r>
-              <a:rPr lang="en-US" dirty="0">
+              <a:rPr lang="en-US">
                 <a:latin typeface="Times"/>
                 <a:cs typeface="Calibri"/>
               </a:rPr>
@@ -4333,14 +4085,14 @@
             </a:r>
           </a:p>
           <a:p>
-            <a:endParaRPr lang="en-US" dirty="0">
+            <a:endParaRPr lang="en-US">
               <a:latin typeface="Times"/>
               <a:cs typeface="Calibri"/>
             </a:endParaRPr>
           </a:p>
           <a:p>
             <a:r>
-              <a:rPr lang="en-US" dirty="0">
+              <a:rPr lang="en-US">
                 <a:latin typeface="Times"/>
                 <a:cs typeface="Calibri"/>
               </a:rPr>
@@ -4348,14 +4100,14 @@
             </a:r>
           </a:p>
           <a:p>
-            <a:endParaRPr lang="en-US" dirty="0">
+            <a:endParaRPr lang="en-US">
               <a:latin typeface="Times"/>
               <a:cs typeface="Calibri"/>
             </a:endParaRPr>
           </a:p>
           <a:p>
             <a:r>
-              <a:rPr lang="en-US" dirty="0">
+              <a:rPr lang="en-US">
                 <a:latin typeface="Times"/>
                 <a:cs typeface="Calibri"/>
               </a:rPr>
@@ -4364,7 +4116,7 @@
           </a:p>
           <a:p>
             <a:r>
-              <a:rPr lang="en-US" dirty="0">
+              <a:rPr lang="en-US">
                 <a:latin typeface="Times"/>
                 <a:cs typeface="Calibri"/>
               </a:rPr>
@@ -4373,7 +4125,7 @@
           </a:p>
           <a:p>
             <a:r>
-              <a:rPr lang="en-US" dirty="0">
+              <a:rPr lang="en-US">
                 <a:latin typeface="Times"/>
                 <a:cs typeface="Calibri"/>
               </a:rPr>
@@ -4382,7 +4134,7 @@
           </a:p>
           <a:p>
             <a:r>
-              <a:rPr lang="en-US" dirty="0">
+              <a:rPr lang="en-US">
                 <a:latin typeface="Times"/>
                 <a:cs typeface="Calibri"/>
               </a:rPr>
@@ -4390,32 +4142,9 @@
             </a:r>
           </a:p>
           <a:p>
-            <a:endParaRPr lang="en-US" dirty="0">
+            <a:endParaRPr lang="en-US">
               <a:cs typeface="Calibri"/>
             </a:endParaRPr>
-          </a:p>
-        </p:txBody>
-      </p:sp>
-      <p:sp>
-        <p:nvSpPr>
-          <p:cNvPr id="2" name="Slide Number Placeholder 1"/>
-          <p:cNvSpPr>
-            <a:spLocks noGrp="1"/>
-          </p:cNvSpPr>
-          <p:nvPr>
-            <p:ph type="sldNum" sz="quarter" idx="12"/>
-          </p:nvPr>
-        </p:nvSpPr>
-        <p:spPr/>
-        <p:txBody>
-          <a:bodyPr/>
-          <a:lstStyle/>
-          <a:p>
-            <a:fld id="{330EA680-D336-4FF7-8B7A-9848BB0A1C32}" type="slidenum">
-              <a:rPr lang="en-US" smtClean="0"/>
-              <a:t>3</a:t>
-            </a:fld>
-            <a:endParaRPr lang="en-US"/>
           </a:p>
         </p:txBody>
       </p:sp>
@@ -4429,13 +4158,6 @@
   <p:clrMapOvr>
     <a:masterClrMapping/>
   </p:clrMapOvr>
-  <p:timing>
-    <p:tnLst>
-      <p:par>
-        <p:cTn xmlns:p14="http://schemas.microsoft.com/office/powerpoint/2010/main" id="1" dur="indefinite" restart="never" nodeType="tmRoot"/>
-      </p:par>
-    </p:tnLst>
-  </p:timing>
 </p:sld>
 </file>
 
@@ -4461,7 +4183,7 @@
           <p:cNvPr id="2" name="Picture 2" descr="A picture containing indoor&#10;&#10;Description generated with high confidence">
             <a:extLst>
               <a:ext uri="{FF2B5EF4-FFF2-40B4-BE49-F238E27FC236}">
-                <a16:creationId xmlns="" xmlns:a16="http://schemas.microsoft.com/office/drawing/2014/main" id="{2A601AB1-8B7B-4A0A-BC26-73A6BE5BA80A}"/>
+                <a16:creationId xmlns:a16="http://schemas.microsoft.com/office/drawing/2014/main" id="{2A601AB1-8B7B-4A0A-BC26-73A6BE5BA80A}"/>
               </a:ext>
             </a:extLst>
           </p:cNvPr>
@@ -4497,7 +4219,7 @@
           <p:cNvPr id="4" name="Picture 4" descr="A screenshot of a cell phone&#10;&#10;Description generated with high confidence">
             <a:extLst>
               <a:ext uri="{FF2B5EF4-FFF2-40B4-BE49-F238E27FC236}">
-                <a16:creationId xmlns="" xmlns:a16="http://schemas.microsoft.com/office/drawing/2014/main" id="{E1829EC1-9C8E-4F75-B958-ED9C15EF8510}"/>
+                <a16:creationId xmlns:a16="http://schemas.microsoft.com/office/drawing/2014/main" id="{E1829EC1-9C8E-4F75-B958-ED9C15EF8510}"/>
               </a:ext>
             </a:extLst>
           </p:cNvPr>
@@ -4527,7 +4249,7 @@
           <p:cNvPr id="11" name="TextBox 10">
             <a:extLst>
               <a:ext uri="{FF2B5EF4-FFF2-40B4-BE49-F238E27FC236}">
-                <a16:creationId xmlns="" xmlns:a16="http://schemas.microsoft.com/office/drawing/2014/main" id="{655EEFA5-CF57-428E-A3EA-96C38FC8F0DA}"/>
+                <a16:creationId xmlns:a16="http://schemas.microsoft.com/office/drawing/2014/main" id="{655EEFA5-CF57-428E-A3EA-96C38FC8F0DA}"/>
               </a:ext>
             </a:extLst>
           </p:cNvPr>
@@ -4568,35 +4290,12 @@
           <a:p>
             <a:pPr algn="ctr"/>
             <a:r>
-              <a:rPr lang="en-US" sz="2000" b="1" dirty="0">
+              <a:rPr lang="en-US" sz="2000" b="1">
                 <a:latin typeface="Times"/>
                 <a:cs typeface="Times"/>
               </a:rPr>
               <a:t>FOMC Statement Length and Most Frequent Words</a:t>
             </a:r>
-          </a:p>
-        </p:txBody>
-      </p:sp>
-      <p:sp>
-        <p:nvSpPr>
-          <p:cNvPr id="3" name="Slide Number Placeholder 2"/>
-          <p:cNvSpPr>
-            <a:spLocks noGrp="1"/>
-          </p:cNvSpPr>
-          <p:nvPr>
-            <p:ph type="sldNum" sz="quarter" idx="12"/>
-          </p:nvPr>
-        </p:nvSpPr>
-        <p:spPr/>
-        <p:txBody>
-          <a:bodyPr/>
-          <a:lstStyle/>
-          <a:p>
-            <a:fld id="{330EA680-D336-4FF7-8B7A-9848BB0A1C32}" type="slidenum">
-              <a:rPr lang="en-US" smtClean="0"/>
-              <a:t>4</a:t>
-            </a:fld>
-            <a:endParaRPr lang="en-US"/>
           </a:p>
         </p:txBody>
       </p:sp>
@@ -4610,13 +4309,6 @@
   <p:clrMapOvr>
     <a:masterClrMapping/>
   </p:clrMapOvr>
-  <p:timing>
-    <p:tnLst>
-      <p:par>
-        <p:cTn xmlns:p14="http://schemas.microsoft.com/office/powerpoint/2010/main" id="1" dur="indefinite" restart="never" nodeType="tmRoot"/>
-      </p:par>
-    </p:tnLst>
-  </p:timing>
 </p:sld>
 </file>
 
@@ -4637,56 +4329,21 @@
           <a:chExt cx="0" cy="0"/>
         </a:xfrm>
       </p:grpSpPr>
-      <p:sp>
-        <p:nvSpPr>
-          <p:cNvPr id="3" name="Content Placeholder 2">
+      <p:pic>
+        <p:nvPicPr>
+          <p:cNvPr id="6" name="Picture 7" descr="A screenshot of a cell phone&#10;&#10;Description generated with very high confidence">
             <a:extLst>
               <a:ext uri="{FF2B5EF4-FFF2-40B4-BE49-F238E27FC236}">
-                <a16:creationId xmlns="" xmlns:a16="http://schemas.microsoft.com/office/drawing/2014/main" id="{E7388CD2-2C85-4F68-8FD6-32FBDBE9FB63}"/>
-              </a:ext>
-            </a:extLst>
-          </p:cNvPr>
-          <p:cNvSpPr>
-            <a:spLocks noGrp="1"/>
-          </p:cNvSpPr>
-          <p:nvPr>
-            <p:ph idx="1"/>
-          </p:nvPr>
-        </p:nvSpPr>
-        <p:spPr>
-          <a:xfrm>
-            <a:off x="-3953" y="632305"/>
-            <a:ext cx="9151906" cy="6162884"/>
-          </a:xfrm>
-        </p:spPr>
-        <p:txBody>
-          <a:bodyPr vert="horz" lIns="91440" tIns="45720" rIns="91440" bIns="45720" rtlCol="0" anchor="t">
-            <a:normAutofit/>
-          </a:bodyPr>
-          <a:lstStyle/>
-          <a:p>
-            <a:pPr marL="0" indent="0">
-              <a:buNone/>
-            </a:pPr>
-            <a:endParaRPr lang="en-US" dirty="0">
-              <a:cs typeface="Calibri" panose="020F0502020204030204"/>
-            </a:endParaRPr>
-          </a:p>
-        </p:txBody>
-      </p:sp>
-      <p:pic>
-        <p:nvPicPr>
-          <p:cNvPr id="5" name="Picture 4" descr="A screenshot of a cell phone&#10;&#10;Description generated with high confidence">
-            <a:extLst>
-              <a:ext uri="{FF2B5EF4-FFF2-40B4-BE49-F238E27FC236}">
-                <a16:creationId xmlns="" xmlns:a16="http://schemas.microsoft.com/office/drawing/2014/main" id="{7F1B89DB-63A3-4973-89BA-DF1996B29D60}"/>
+                <a16:creationId xmlns:a16="http://schemas.microsoft.com/office/drawing/2014/main" id="{D88BA98D-A2C3-4CC6-82A3-407E1642CBB1}"/>
               </a:ext>
             </a:extLst>
           </p:cNvPr>
           <p:cNvPicPr>
-            <a:picLocks noChangeAspect="1"/>
+            <a:picLocks noGrp="1" noChangeAspect="1"/>
           </p:cNvPicPr>
-          <p:nvPr/>
+          <p:nvPr>
+            <p:ph idx="1"/>
+          </p:nvPr>
         </p:nvPicPr>
         <p:blipFill>
           <a:blip r:embed="rId2"/>
@@ -4696,8 +4353,8 @@
         </p:blipFill>
         <p:spPr>
           <a:xfrm>
-            <a:off x="309247" y="476757"/>
-            <a:ext cx="8003565" cy="4020656"/>
+            <a:off x="43401" y="4506299"/>
+            <a:ext cx="8927800" cy="2224896"/>
           </a:xfrm>
           <a:prstGeom prst="rect">
             <a:avLst/>
@@ -4706,10 +4363,10 @@
       </p:pic>
       <p:pic>
         <p:nvPicPr>
-          <p:cNvPr id="7" name="Picture 6" descr="A screenshot of a cell phone&#10;&#10;Description generated with very high confidence">
+          <p:cNvPr id="5" name="Picture 4" descr="A screenshot of a cell phone&#10;&#10;Description generated with high confidence">
             <a:extLst>
               <a:ext uri="{FF2B5EF4-FFF2-40B4-BE49-F238E27FC236}">
-                <a16:creationId xmlns="" xmlns:a16="http://schemas.microsoft.com/office/drawing/2014/main" id="{203FCE65-E82F-4BD6-9D02-8AEBA862EE60}"/>
+                <a16:creationId xmlns:a16="http://schemas.microsoft.com/office/drawing/2014/main" id="{7F1B89DB-63A3-4973-89BA-DF1996B29D60}"/>
               </a:ext>
             </a:extLst>
           </p:cNvPr>
@@ -4726,8 +4383,8 @@
         </p:blipFill>
         <p:spPr>
           <a:xfrm>
-            <a:off x="453895" y="4684053"/>
-            <a:ext cx="8136273" cy="1933672"/>
+            <a:off x="309247" y="476757"/>
+            <a:ext cx="8003565" cy="4020656"/>
           </a:xfrm>
           <a:prstGeom prst="rect">
             <a:avLst/>
@@ -4739,7 +4396,7 @@
           <p:cNvPr id="4" name="TextBox 3">
             <a:extLst>
               <a:ext uri="{FF2B5EF4-FFF2-40B4-BE49-F238E27FC236}">
-                <a16:creationId xmlns="" xmlns:a16="http://schemas.microsoft.com/office/drawing/2014/main" id="{BCD02005-C7F2-4980-88D8-AB80B5F35343}"/>
+                <a16:creationId xmlns:a16="http://schemas.microsoft.com/office/drawing/2014/main" id="{BCD02005-C7F2-4980-88D8-AB80B5F35343}"/>
               </a:ext>
             </a:extLst>
           </p:cNvPr>
@@ -4780,14 +4437,14 @@
           <a:p>
             <a:pPr algn="ctr"/>
             <a:r>
-              <a:rPr lang="en-US" sz="2000" b="1" dirty="0">
+              <a:rPr lang="en-US" sz="2000" b="1">
                 <a:latin typeface="Times"/>
                 <a:ea typeface="+mn-lt"/>
                 <a:cs typeface="+mn-lt"/>
               </a:rPr>
               <a:t>Textual Classifications</a:t>
             </a:r>
-            <a:endParaRPr lang="en-US" b="1" dirty="0">
+            <a:endParaRPr lang="en-US" b="1">
               <a:latin typeface="Times"/>
               <a:cs typeface="Times"/>
             </a:endParaRPr>
@@ -4799,7 +4456,7 @@
           <p:cNvPr id="2" name="Rectangle 1">
             <a:extLst>
               <a:ext uri="{FF2B5EF4-FFF2-40B4-BE49-F238E27FC236}">
-                <a16:creationId xmlns="" xmlns:a16="http://schemas.microsoft.com/office/drawing/2014/main" id="{265593A0-A360-4D67-ABA0-1D6159995BE8}"/>
+                <a16:creationId xmlns:a16="http://schemas.microsoft.com/office/drawing/2014/main" id="{265593A0-A360-4D67-ABA0-1D6159995BE8}"/>
               </a:ext>
             </a:extLst>
           </p:cNvPr>
@@ -4808,8 +4465,8 @@
         </p:nvSpPr>
         <p:spPr>
           <a:xfrm>
-            <a:off x="7397365" y="4550034"/>
-            <a:ext cx="1354515" cy="2094821"/>
+            <a:off x="7670535" y="4506902"/>
+            <a:ext cx="1354515" cy="2281726"/>
           </a:xfrm>
           <a:prstGeom prst="rect">
             <a:avLst/>
@@ -4846,34 +4503,6 @@
           </a:p>
         </p:txBody>
       </p:sp>
-      <p:sp>
-        <p:nvSpPr>
-          <p:cNvPr id="6" name="Slide Number Placeholder 5"/>
-          <p:cNvSpPr>
-            <a:spLocks noGrp="1"/>
-          </p:cNvSpPr>
-          <p:nvPr>
-            <p:ph type="sldNum" sz="quarter" idx="12"/>
-          </p:nvPr>
-        </p:nvSpPr>
-        <p:spPr>
-          <a:xfrm>
-            <a:off x="4730750" y="6373284"/>
-            <a:ext cx="2057400" cy="365125"/>
-          </a:xfrm>
-        </p:spPr>
-        <p:txBody>
-          <a:bodyPr/>
-          <a:lstStyle/>
-          <a:p>
-            <a:fld id="{330EA680-D336-4FF7-8B7A-9848BB0A1C32}" type="slidenum">
-              <a:rPr lang="en-US" smtClean="0"/>
-              <a:t>5</a:t>
-            </a:fld>
-            <a:endParaRPr lang="en-US" dirty="0"/>
-          </a:p>
-        </p:txBody>
-      </p:sp>
     </p:spTree>
     <p:extLst>
       <p:ext uri="{BB962C8B-B14F-4D97-AF65-F5344CB8AC3E}">
@@ -4884,13 +4513,6 @@
   <p:clrMapOvr>
     <a:masterClrMapping/>
   </p:clrMapOvr>
-  <p:timing>
-    <p:tnLst>
-      <p:par>
-        <p:cTn xmlns:p14="http://schemas.microsoft.com/office/powerpoint/2010/main" id="1" dur="indefinite" restart="never" nodeType="tmRoot"/>
-      </p:par>
-    </p:tnLst>
-  </p:timing>
 </p:sld>
 </file>
 
@@ -4916,7 +4538,7 @@
           <p:cNvPr id="2" name="Title 1">
             <a:extLst>
               <a:ext uri="{FF2B5EF4-FFF2-40B4-BE49-F238E27FC236}">
-                <a16:creationId xmlns="" xmlns:a16="http://schemas.microsoft.com/office/drawing/2014/main" id="{AF8935E4-F34E-44B0-AF53-53257DC6189F}"/>
+                <a16:creationId xmlns:a16="http://schemas.microsoft.com/office/drawing/2014/main" id="{AF8935E4-F34E-44B0-AF53-53257DC6189F}"/>
               </a:ext>
             </a:extLst>
           </p:cNvPr>
@@ -4946,7 +4568,7 @@
           <a:p>
             <a:pPr algn="ctr"/>
             <a:r>
-              <a:rPr lang="en-US" dirty="0">
+              <a:rPr lang="en-US">
                 <a:latin typeface="Times"/>
                 <a:cs typeface="Calibri Light"/>
               </a:rPr>
@@ -4960,7 +4582,7 @@
           <p:cNvPr id="7" name="Picture 7">
             <a:extLst>
               <a:ext uri="{FF2B5EF4-FFF2-40B4-BE49-F238E27FC236}">
-                <a16:creationId xmlns="" xmlns:a16="http://schemas.microsoft.com/office/drawing/2014/main" id="{942C73BE-25C0-416A-B97F-46ED495CECE9}"/>
+                <a16:creationId xmlns:a16="http://schemas.microsoft.com/office/drawing/2014/main" id="{942C73BE-25C0-416A-B97F-46ED495CECE9}"/>
               </a:ext>
             </a:extLst>
           </p:cNvPr>
@@ -4992,7 +4614,7 @@
           <p:cNvPr id="5" name="Picture 5" descr="A close up of a map&#10;&#10;Description generated with high confidence">
             <a:extLst>
               <a:ext uri="{FF2B5EF4-FFF2-40B4-BE49-F238E27FC236}">
-                <a16:creationId xmlns="" xmlns:a16="http://schemas.microsoft.com/office/drawing/2014/main" id="{2A9D0F8C-57B8-4422-BEE4-E6F3251BC533}"/>
+                <a16:creationId xmlns:a16="http://schemas.microsoft.com/office/drawing/2014/main" id="{2A9D0F8C-57B8-4422-BEE4-E6F3251BC533}"/>
               </a:ext>
             </a:extLst>
           </p:cNvPr>
@@ -5024,7 +4646,7 @@
           <p:cNvPr id="4" name="TextBox 3">
             <a:extLst>
               <a:ext uri="{FF2B5EF4-FFF2-40B4-BE49-F238E27FC236}">
-                <a16:creationId xmlns="" xmlns:a16="http://schemas.microsoft.com/office/drawing/2014/main" id="{E33F43CC-227E-4422-B5E5-97A505163C0B}"/>
+                <a16:creationId xmlns:a16="http://schemas.microsoft.com/office/drawing/2014/main" id="{E33F43CC-227E-4422-B5E5-97A505163C0B}"/>
               </a:ext>
             </a:extLst>
           </p:cNvPr>
@@ -5056,35 +4678,12 @@
           <a:lstStyle/>
           <a:p>
             <a:r>
-              <a:rPr lang="en-US" sz="1400" dirty="0">
+              <a:rPr lang="en-US" sz="1400">
                 <a:latin typeface="Times"/>
                 <a:cs typeface="Times"/>
               </a:rPr>
               <a:t>Loughran-McDonald Dictionary</a:t>
             </a:r>
-          </a:p>
-        </p:txBody>
-      </p:sp>
-      <p:sp>
-        <p:nvSpPr>
-          <p:cNvPr id="3" name="Slide Number Placeholder 2"/>
-          <p:cNvSpPr>
-            <a:spLocks noGrp="1"/>
-          </p:cNvSpPr>
-          <p:nvPr>
-            <p:ph type="sldNum" sz="quarter" idx="12"/>
-          </p:nvPr>
-        </p:nvSpPr>
-        <p:spPr/>
-        <p:txBody>
-          <a:bodyPr/>
-          <a:lstStyle/>
-          <a:p>
-            <a:fld id="{330EA680-D336-4FF7-8B7A-9848BB0A1C32}" type="slidenum">
-              <a:rPr lang="en-US" smtClean="0"/>
-              <a:t>6</a:t>
-            </a:fld>
-            <a:endParaRPr lang="en-US"/>
           </a:p>
         </p:txBody>
       </p:sp>
@@ -5098,13 +4697,6 @@
   <p:clrMapOvr>
     <a:masterClrMapping/>
   </p:clrMapOvr>
-  <p:timing>
-    <p:tnLst>
-      <p:par>
-        <p:cTn xmlns:p14="http://schemas.microsoft.com/office/powerpoint/2010/main" id="1" dur="indefinite" restart="never" nodeType="tmRoot"/>
-      </p:par>
-    </p:tnLst>
-  </p:timing>
 </p:sld>
 </file>
 
@@ -5130,7 +4722,7 @@
           <p:cNvPr id="6" name="Picture 7" descr="A close up of a map&#10;&#10;Description generated with high confidence">
             <a:extLst>
               <a:ext uri="{FF2B5EF4-FFF2-40B4-BE49-F238E27FC236}">
-                <a16:creationId xmlns="" xmlns:a16="http://schemas.microsoft.com/office/drawing/2014/main" id="{B2442C1B-4A93-4CEF-8933-E7719BE94CAE}"/>
+                <a16:creationId xmlns:a16="http://schemas.microsoft.com/office/drawing/2014/main" id="{B2442C1B-4A93-4CEF-8933-E7719BE94CAE}"/>
               </a:ext>
             </a:extLst>
           </p:cNvPr>
@@ -5162,7 +4754,7 @@
           <p:cNvPr id="4" name="TextBox 3">
             <a:extLst>
               <a:ext uri="{FF2B5EF4-FFF2-40B4-BE49-F238E27FC236}">
-                <a16:creationId xmlns="" xmlns:a16="http://schemas.microsoft.com/office/drawing/2014/main" id="{BCD02005-C7F2-4980-88D8-AB80B5F35343}"/>
+                <a16:creationId xmlns:a16="http://schemas.microsoft.com/office/drawing/2014/main" id="{BCD02005-C7F2-4980-88D8-AB80B5F35343}"/>
               </a:ext>
             </a:extLst>
           </p:cNvPr>
@@ -5203,7 +4795,7 @@
           <a:p>
             <a:pPr algn="ctr"/>
             <a:r>
-              <a:rPr lang="en-US" sz="2000" b="1" dirty="0">
+              <a:rPr lang="en-US" sz="2000" b="1">
                 <a:latin typeface="Times"/>
                 <a:cs typeface="Calibri"/>
               </a:rPr>
@@ -5217,7 +4809,7 @@
           <p:cNvPr id="9" name="Picture 9" descr="A close up of a map&#10;&#10;Description generated with very high confidence">
             <a:extLst>
               <a:ext uri="{FF2B5EF4-FFF2-40B4-BE49-F238E27FC236}">
-                <a16:creationId xmlns="" xmlns:a16="http://schemas.microsoft.com/office/drawing/2014/main" id="{E8CCB6B4-F6D8-4597-B707-6CBBC4889007}"/>
+                <a16:creationId xmlns:a16="http://schemas.microsoft.com/office/drawing/2014/main" id="{E8CCB6B4-F6D8-4597-B707-6CBBC4889007}"/>
               </a:ext>
             </a:extLst>
           </p:cNvPr>
@@ -5247,7 +4839,7 @@
           <p:cNvPr id="11" name="Picture 11" descr="A picture containing text&#10;&#10;Description generated with high confidence">
             <a:extLst>
               <a:ext uri="{FF2B5EF4-FFF2-40B4-BE49-F238E27FC236}">
-                <a16:creationId xmlns="" xmlns:a16="http://schemas.microsoft.com/office/drawing/2014/main" id="{69F2B3A2-9A83-4073-A204-CDFAFFEA0EA6}"/>
+                <a16:creationId xmlns:a16="http://schemas.microsoft.com/office/drawing/2014/main" id="{69F2B3A2-9A83-4073-A204-CDFAFFEA0EA6}"/>
               </a:ext>
             </a:extLst>
           </p:cNvPr>
@@ -5277,7 +4869,7 @@
           <p:cNvPr id="15" name="TextBox 14">
             <a:extLst>
               <a:ext uri="{FF2B5EF4-FFF2-40B4-BE49-F238E27FC236}">
-                <a16:creationId xmlns="" xmlns:a16="http://schemas.microsoft.com/office/drawing/2014/main" id="{4D109E18-F15D-47FA-9055-C151CD224225}"/>
+                <a16:creationId xmlns:a16="http://schemas.microsoft.com/office/drawing/2014/main" id="{4D109E18-F15D-47FA-9055-C151CD224225}"/>
               </a:ext>
             </a:extLst>
           </p:cNvPr>
@@ -5308,7 +4900,7 @@
               <a:buChar char="•"/>
             </a:pPr>
             <a:r>
-              <a:rPr lang="en-US" sz="1400" dirty="0">
+              <a:rPr lang="en-US" sz="1400">
                 <a:latin typeface="Times"/>
                 <a:cs typeface="Calibri"/>
               </a:rPr>
@@ -5322,7 +4914,7 @@
               <a:buChar char="•"/>
             </a:pPr>
             <a:r>
-              <a:rPr lang="en-US" sz="1400" dirty="0">
+              <a:rPr lang="en-US" sz="1400">
                 <a:latin typeface="Times"/>
                 <a:cs typeface="Calibri"/>
               </a:rPr>
@@ -5335,35 +4927,12 @@
               <a:buChar char="•"/>
             </a:pPr>
             <a:r>
-              <a:rPr lang="en-US" sz="1400" dirty="0">
+              <a:rPr lang="en-US" sz="1400">
                 <a:latin typeface="Times"/>
                 <a:cs typeface="Calibri"/>
               </a:rPr>
               <a:t>Regression on returns or lagged variables is next logical step.</a:t>
             </a:r>
-          </a:p>
-        </p:txBody>
-      </p:sp>
-      <p:sp>
-        <p:nvSpPr>
-          <p:cNvPr id="2" name="Slide Number Placeholder 1"/>
-          <p:cNvSpPr>
-            <a:spLocks noGrp="1"/>
-          </p:cNvSpPr>
-          <p:nvPr>
-            <p:ph type="sldNum" sz="quarter" idx="12"/>
-          </p:nvPr>
-        </p:nvSpPr>
-        <p:spPr/>
-        <p:txBody>
-          <a:bodyPr/>
-          <a:lstStyle/>
-          <a:p>
-            <a:fld id="{330EA680-D336-4FF7-8B7A-9848BB0A1C32}" type="slidenum">
-              <a:rPr lang="en-US" smtClean="0"/>
-              <a:t>7</a:t>
-            </a:fld>
-            <a:endParaRPr lang="en-US"/>
           </a:p>
         </p:txBody>
       </p:sp>
@@ -5377,13 +4946,6 @@
   <p:clrMapOvr>
     <a:masterClrMapping/>
   </p:clrMapOvr>
-  <p:timing>
-    <p:tnLst>
-      <p:par>
-        <p:cTn xmlns:p14="http://schemas.microsoft.com/office/powerpoint/2010/main" id="1" dur="indefinite" restart="never" nodeType="tmRoot"/>
-      </p:par>
-    </p:tnLst>
-  </p:timing>
 </p:sld>
 </file>
 
@@ -5409,7 +4971,7 @@
           <p:cNvPr id="8" name="Picture 9" descr="A group of people sitting on a stage in front of a curtain&#10;&#10;Description generated with very high confidence">
             <a:extLst>
               <a:ext uri="{FF2B5EF4-FFF2-40B4-BE49-F238E27FC236}">
-                <a16:creationId xmlns="" xmlns:a16="http://schemas.microsoft.com/office/drawing/2014/main" id="{3AC1B6B2-9BF8-4F26-BFE5-B02209B57FBA}"/>
+                <a16:creationId xmlns:a16="http://schemas.microsoft.com/office/drawing/2014/main" id="{3AC1B6B2-9BF8-4F26-BFE5-B02209B57FBA}"/>
               </a:ext>
             </a:extLst>
           </p:cNvPr>
@@ -5439,7 +5001,7 @@
           <p:cNvPr id="4" name="TextBox 3">
             <a:extLst>
               <a:ext uri="{FF2B5EF4-FFF2-40B4-BE49-F238E27FC236}">
-                <a16:creationId xmlns="" xmlns:a16="http://schemas.microsoft.com/office/drawing/2014/main" id="{BCD02005-C7F2-4980-88D8-AB80B5F35343}"/>
+                <a16:creationId xmlns:a16="http://schemas.microsoft.com/office/drawing/2014/main" id="{BCD02005-C7F2-4980-88D8-AB80B5F35343}"/>
               </a:ext>
             </a:extLst>
           </p:cNvPr>
@@ -5483,7 +5045,7 @@
           <a:p>
             <a:pPr algn="ctr"/>
             <a:r>
-              <a:rPr lang="en-US" sz="3600" b="1" dirty="0">
+              <a:rPr lang="en-US" sz="3600" b="1">
                 <a:solidFill>
                   <a:srgbClr val="FFFFFF"/>
                 </a:solidFill>
@@ -5500,7 +5062,7 @@
           <p:cNvPr id="3" name="Content Placeholder 2">
             <a:extLst>
               <a:ext uri="{FF2B5EF4-FFF2-40B4-BE49-F238E27FC236}">
-                <a16:creationId xmlns="" xmlns:a16="http://schemas.microsoft.com/office/drawing/2014/main" id="{BC6A198D-BE2B-47C2-B2AC-D1734D092500}"/>
+                <a16:creationId xmlns:a16="http://schemas.microsoft.com/office/drawing/2014/main" id="{BC6A198D-BE2B-47C2-B2AC-D1734D092500}"/>
               </a:ext>
             </a:extLst>
           </p:cNvPr>
@@ -5531,7 +5093,7 @@
               <a:buNone/>
             </a:pPr>
             <a:r>
-              <a:rPr lang="en-US" sz="1800" dirty="0">
+              <a:rPr lang="en-US" sz="1800">
                 <a:latin typeface="Times"/>
                 <a:ea typeface="+mn-lt"/>
                 <a:cs typeface="+mn-lt"/>
@@ -5544,7 +5106,7 @@
               <a:buNone/>
             </a:pPr>
             <a:r>
-              <a:rPr lang="en-US" sz="1600" dirty="0">
+              <a:rPr lang="en-US" sz="1600">
                 <a:latin typeface="Times"/>
                 <a:ea typeface="+mn-lt"/>
                 <a:cs typeface="+mn-lt"/>
@@ -5562,7 +5124,7 @@
               <a:buNone/>
             </a:pPr>
             <a:r>
-              <a:rPr lang="en-US" sz="1600" dirty="0">
+              <a:rPr lang="en-US" sz="1600">
                 <a:latin typeface="Times"/>
                 <a:ea typeface="+mn-lt"/>
                 <a:cs typeface="+mn-lt"/>
@@ -5580,7 +5142,7 @@
               <a:buNone/>
             </a:pPr>
             <a:r>
-              <a:rPr lang="en-US" sz="1600" dirty="0">
+              <a:rPr lang="en-US" sz="1600">
                 <a:latin typeface="Times"/>
                 <a:ea typeface="+mn-lt"/>
                 <a:cs typeface="+mn-lt"/>
@@ -5597,7 +5159,7 @@
             <a:pPr marL="0" indent="0">
               <a:buNone/>
             </a:pPr>
-            <a:endParaRPr lang="en-US" sz="1600" dirty="0">
+            <a:endParaRPr lang="en-US" sz="1600">
               <a:latin typeface="Times"/>
               <a:cs typeface="Calibri"/>
             </a:endParaRPr>
@@ -5606,7 +5168,7 @@
             <a:pPr marL="0" indent="0">
               <a:buNone/>
             </a:pPr>
-            <a:endParaRPr lang="en-US" sz="1400" dirty="0">
+            <a:endParaRPr lang="en-US" sz="1400">
               <a:latin typeface="Calibri"/>
               <a:cs typeface="Calibri"/>
             </a:endParaRPr>
@@ -5615,7 +5177,7 @@
             <a:pPr marL="0" indent="0">
               <a:buNone/>
             </a:pPr>
-            <a:endParaRPr lang="en-US" sz="1400" dirty="0">
+            <a:endParaRPr lang="en-US" sz="1400">
               <a:latin typeface="Calibri"/>
               <a:cs typeface="Calibri"/>
             </a:endParaRPr>
@@ -5624,33 +5186,10 @@
             <a:pPr marL="0" indent="0">
               <a:buNone/>
             </a:pPr>
-            <a:endParaRPr lang="en-US" sz="1400" dirty="0">
+            <a:endParaRPr lang="en-US" sz="1400">
               <a:latin typeface="Times"/>
               <a:cs typeface="Calibri"/>
             </a:endParaRPr>
-          </a:p>
-        </p:txBody>
-      </p:sp>
-      <p:sp>
-        <p:nvSpPr>
-          <p:cNvPr id="2" name="Slide Number Placeholder 1"/>
-          <p:cNvSpPr>
-            <a:spLocks noGrp="1"/>
-          </p:cNvSpPr>
-          <p:nvPr>
-            <p:ph type="sldNum" sz="quarter" idx="12"/>
-          </p:nvPr>
-        </p:nvSpPr>
-        <p:spPr/>
-        <p:txBody>
-          <a:bodyPr/>
-          <a:lstStyle/>
-          <a:p>
-            <a:fld id="{330EA680-D336-4FF7-8B7A-9848BB0A1C32}" type="slidenum">
-              <a:rPr lang="en-US" smtClean="0"/>
-              <a:t>8</a:t>
-            </a:fld>
-            <a:endParaRPr lang="en-US"/>
           </a:p>
         </p:txBody>
       </p:sp>
@@ -5664,13 +5203,6 @@
   <p:clrMapOvr>
     <a:masterClrMapping/>
   </p:clrMapOvr>
-  <p:timing>
-    <p:tnLst>
-      <p:par>
-        <p:cTn xmlns:p14="http://schemas.microsoft.com/office/powerpoint/2010/main" id="1" dur="indefinite" restart="never" nodeType="tmRoot"/>
-      </p:par>
-    </p:tnLst>
-  </p:timing>
 </p:sld>
 </file>
 
@@ -5717,7 +5249,7 @@
     </a:clrScheme>
     <a:fontScheme name="Office Theme">
       <a:majorFont>
-        <a:latin typeface="Calibri Light"/>
+        <a:latin typeface="Calibri Light" panose="020F0302020204030204"/>
         <a:ea typeface=""/>
         <a:cs typeface=""/>
         <a:font script="Jpan" typeface="游ゴシック Light"/>
@@ -5752,7 +5284,7 @@
         <a:font script="Geor" typeface="Sylfaen"/>
       </a:majorFont>
       <a:minorFont>
-        <a:latin typeface="Calibri"/>
+        <a:latin typeface="Calibri" panose="020F0502020204030204"/>
         <a:ea typeface=""/>
         <a:cs typeface=""/>
         <a:font script="Jpan" typeface="游ゴシック"/>
@@ -5929,7 +5461,7 @@
   <a:extraClrSchemeLst/>
   <a:extLst>
     <a:ext uri="{05A4C25C-085E-4340-85A3-A5531E510DB2}">
-      <thm15:themeFamily xmlns="" xmlns:thm15="http://schemas.microsoft.com/office/thememl/2012/main" name="Office Theme" id="{62F939B6-93AF-4DB8-9C6B-D6C7DFDC589F}" vid="{4A3C46E8-61CC-4603-A589-7422A47A8E4A}"/>
+      <thm15:themeFamily xmlns:thm15="http://schemas.microsoft.com/office/thememl/2012/main" name="Office Theme" id="{62F939B6-93AF-4DB8-9C6B-D6C7DFDC589F}" vid="{4A3C46E8-61CC-4603-A589-7422A47A8E4A}"/>
     </a:ext>
   </a:extLst>
 </a:theme>
@@ -5978,7 +5510,7 @@
     </a:clrScheme>
     <a:fontScheme name="Office">
       <a:majorFont>
-        <a:latin typeface="Calibri Light"/>
+        <a:latin typeface="Calibri Light" panose="020F0302020204030204"/>
         <a:ea typeface=""/>
         <a:cs typeface=""/>
         <a:font script="Jpan" typeface="游ゴシック Light"/>
@@ -6030,7 +5562,7 @@
         <a:font script="Tfng" typeface="Ebrima"/>
       </a:majorFont>
       <a:minorFont>
-        <a:latin typeface="Calibri"/>
+        <a:latin typeface="Calibri" panose="020F0502020204030204"/>
         <a:ea typeface=""/>
         <a:cs typeface=""/>
         <a:font script="Jpan" typeface="游ゴシック"/>
@@ -6224,328 +5756,8 @@
   <a:extraClrSchemeLst/>
   <a:extLst>
     <a:ext uri="{05A4C25C-085E-4340-85A3-A5531E510DB2}">
-      <thm15:themeFamily xmlns="" xmlns:thm15="http://schemas.microsoft.com/office/thememl/2012/main" name="Office Theme" id="{62F939B6-93AF-4DB8-9C6B-D6C7DFDC589F}" vid="{4A3C46E8-61CC-4603-A589-7422A47A8E4A}"/>
+      <thm15:themeFamily xmlns:thm15="http://schemas.microsoft.com/office/thememl/2012/main" name="Office Theme" id="{62F939B6-93AF-4DB8-9C6B-D6C7DFDC589F}" vid="{4A3C46E8-61CC-4603-A589-7422A47A8E4A}"/>
     </a:ext>
   </a:extLst>
 </a:theme>
-</file>
-
-<file path=ppt/theme/theme3.xml><?xml version="1.0" encoding="utf-8"?>
-<a:theme xmlns:a="http://schemas.openxmlformats.org/drawingml/2006/main" name="Office Theme">
-  <a:themeElements>
-    <a:clrScheme name="Office">
-      <a:dk1>
-        <a:sysClr val="windowText" lastClr="000000"/>
-      </a:dk1>
-      <a:lt1>
-        <a:sysClr val="window" lastClr="FFFFFF"/>
-      </a:lt1>
-      <a:dk2>
-        <a:srgbClr val="1F497D"/>
-      </a:dk2>
-      <a:lt2>
-        <a:srgbClr val="EEECE1"/>
-      </a:lt2>
-      <a:accent1>
-        <a:srgbClr val="4F81BD"/>
-      </a:accent1>
-      <a:accent2>
-        <a:srgbClr val="C0504D"/>
-      </a:accent2>
-      <a:accent3>
-        <a:srgbClr val="9BBB59"/>
-      </a:accent3>
-      <a:accent4>
-        <a:srgbClr val="8064A2"/>
-      </a:accent4>
-      <a:accent5>
-        <a:srgbClr val="4BACC6"/>
-      </a:accent5>
-      <a:accent6>
-        <a:srgbClr val="F79646"/>
-      </a:accent6>
-      <a:hlink>
-        <a:srgbClr val="0000FF"/>
-      </a:hlink>
-      <a:folHlink>
-        <a:srgbClr val="800080"/>
-      </a:folHlink>
-    </a:clrScheme>
-    <a:fontScheme name="Office">
-      <a:majorFont>
-        <a:latin typeface="Calibri"/>
-        <a:ea typeface=""/>
-        <a:cs typeface=""/>
-        <a:font script="Jpan" typeface="ＭＳ Ｐゴシック"/>
-        <a:font script="Hang" typeface="맑은 고딕"/>
-        <a:font script="Hans" typeface="宋体"/>
-        <a:font script="Hant" typeface="新細明體"/>
-        <a:font script="Arab" typeface="Times New Roman"/>
-        <a:font script="Hebr" typeface="Times New Roman"/>
-        <a:font script="Thai" typeface="Angsana New"/>
-        <a:font script="Ethi" typeface="Nyala"/>
-        <a:font script="Beng" typeface="Vrinda"/>
-        <a:font script="Gujr" typeface="Shruti"/>
-        <a:font script="Khmr" typeface="MoolBoran"/>
-        <a:font script="Knda" typeface="Tunga"/>
-        <a:font script="Guru" typeface="Raavi"/>
-        <a:font script="Cans" typeface="Euphemia"/>
-        <a:font script="Cher" typeface="Plantagenet Cherokee"/>
-        <a:font script="Yiii" typeface="Microsoft Yi Baiti"/>
-        <a:font script="Tibt" typeface="Microsoft Himalaya"/>
-        <a:font script="Thaa" typeface="MV Boli"/>
-        <a:font script="Deva" typeface="Mangal"/>
-        <a:font script="Telu" typeface="Gautami"/>
-        <a:font script="Taml" typeface="Latha"/>
-        <a:font script="Syrc" typeface="Estrangelo Edessa"/>
-        <a:font script="Orya" typeface="Kalinga"/>
-        <a:font script="Mlym" typeface="Kartika"/>
-        <a:font script="Laoo" typeface="DokChampa"/>
-        <a:font script="Sinh" typeface="Iskoola Pota"/>
-        <a:font script="Mong" typeface="Mongolian Baiti"/>
-        <a:font script="Viet" typeface="Times New Roman"/>
-        <a:font script="Uigh" typeface="Microsoft Uighur"/>
-        <a:font script="Geor" typeface="Sylfaen"/>
-      </a:majorFont>
-      <a:minorFont>
-        <a:latin typeface="Calibri"/>
-        <a:ea typeface=""/>
-        <a:cs typeface=""/>
-        <a:font script="Jpan" typeface="ＭＳ Ｐゴシック"/>
-        <a:font script="Hang" typeface="맑은 고딕"/>
-        <a:font script="Hans" typeface="宋体"/>
-        <a:font script="Hant" typeface="新細明體"/>
-        <a:font script="Arab" typeface="Arial"/>
-        <a:font script="Hebr" typeface="Arial"/>
-        <a:font script="Thai" typeface="Cordia New"/>
-        <a:font script="Ethi" typeface="Nyala"/>
-        <a:font script="Beng" typeface="Vrinda"/>
-        <a:font script="Gujr" typeface="Shruti"/>
-        <a:font script="Khmr" typeface="DaunPenh"/>
-        <a:font script="Knda" typeface="Tunga"/>
-        <a:font script="Guru" typeface="Raavi"/>
-        <a:font script="Cans" typeface="Euphemia"/>
-        <a:font script="Cher" typeface="Plantagenet Cherokee"/>
-        <a:font script="Yiii" typeface="Microsoft Yi Baiti"/>
-        <a:font script="Tibt" typeface="Microsoft Himalaya"/>
-        <a:font script="Thaa" typeface="MV Boli"/>
-        <a:font script="Deva" typeface="Mangal"/>
-        <a:font script="Telu" typeface="Gautami"/>
-        <a:font script="Taml" typeface="Latha"/>
-        <a:font script="Syrc" typeface="Estrangelo Edessa"/>
-        <a:font script="Orya" typeface="Kalinga"/>
-        <a:font script="Mlym" typeface="Kartika"/>
-        <a:font script="Laoo" typeface="DokChampa"/>
-        <a:font script="Sinh" typeface="Iskoola Pota"/>
-        <a:font script="Mong" typeface="Mongolian Baiti"/>
-        <a:font script="Viet" typeface="Arial"/>
-        <a:font script="Uigh" typeface="Microsoft Uighur"/>
-        <a:font script="Geor" typeface="Sylfaen"/>
-      </a:minorFont>
-    </a:fontScheme>
-    <a:fmtScheme name="Office">
-      <a:fillStyleLst>
-        <a:solidFill>
-          <a:schemeClr val="phClr"/>
-        </a:solidFill>
-        <a:gradFill rotWithShape="1">
-          <a:gsLst>
-            <a:gs pos="0">
-              <a:schemeClr val="phClr">
-                <a:tint val="50000"/>
-                <a:satMod val="300000"/>
-              </a:schemeClr>
-            </a:gs>
-            <a:gs pos="35000">
-              <a:schemeClr val="phClr">
-                <a:tint val="37000"/>
-                <a:satMod val="300000"/>
-              </a:schemeClr>
-            </a:gs>
-            <a:gs pos="100000">
-              <a:schemeClr val="phClr">
-                <a:tint val="15000"/>
-                <a:satMod val="350000"/>
-              </a:schemeClr>
-            </a:gs>
-          </a:gsLst>
-          <a:lin ang="16200000" scaled="1"/>
-        </a:gradFill>
-        <a:gradFill rotWithShape="1">
-          <a:gsLst>
-            <a:gs pos="0">
-              <a:schemeClr val="phClr">
-                <a:tint val="100000"/>
-                <a:shade val="100000"/>
-                <a:satMod val="130000"/>
-              </a:schemeClr>
-            </a:gs>
-            <a:gs pos="100000">
-              <a:schemeClr val="phClr">
-                <a:tint val="50000"/>
-                <a:shade val="100000"/>
-                <a:satMod val="350000"/>
-              </a:schemeClr>
-            </a:gs>
-          </a:gsLst>
-          <a:lin ang="16200000" scaled="0"/>
-        </a:gradFill>
-      </a:fillStyleLst>
-      <a:lnStyleLst>
-        <a:ln w="9525" cap="flat" cmpd="sng" algn="ctr">
-          <a:solidFill>
-            <a:schemeClr val="phClr">
-              <a:shade val="95000"/>
-              <a:satMod val="105000"/>
-            </a:schemeClr>
-          </a:solidFill>
-          <a:prstDash val="solid"/>
-        </a:ln>
-        <a:ln w="25400" cap="flat" cmpd="sng" algn="ctr">
-          <a:solidFill>
-            <a:schemeClr val="phClr"/>
-          </a:solidFill>
-          <a:prstDash val="solid"/>
-        </a:ln>
-        <a:ln w="38100" cap="flat" cmpd="sng" algn="ctr">
-          <a:solidFill>
-            <a:schemeClr val="phClr"/>
-          </a:solidFill>
-          <a:prstDash val="solid"/>
-        </a:ln>
-      </a:lnStyleLst>
-      <a:effectStyleLst>
-        <a:effectStyle>
-          <a:effectLst>
-            <a:outerShdw blurRad="40000" dist="20000" dir="5400000" rotWithShape="0">
-              <a:srgbClr val="000000">
-                <a:alpha val="38000"/>
-              </a:srgbClr>
-            </a:outerShdw>
-          </a:effectLst>
-        </a:effectStyle>
-        <a:effectStyle>
-          <a:effectLst>
-            <a:outerShdw blurRad="40000" dist="23000" dir="5400000" rotWithShape="0">
-              <a:srgbClr val="000000">
-                <a:alpha val="35000"/>
-              </a:srgbClr>
-            </a:outerShdw>
-          </a:effectLst>
-        </a:effectStyle>
-        <a:effectStyle>
-          <a:effectLst>
-            <a:outerShdw blurRad="40000" dist="23000" dir="5400000" rotWithShape="0">
-              <a:srgbClr val="000000">
-                <a:alpha val="35000"/>
-              </a:srgbClr>
-            </a:outerShdw>
-          </a:effectLst>
-          <a:scene3d>
-            <a:camera prst="orthographicFront">
-              <a:rot lat="0" lon="0" rev="0"/>
-            </a:camera>
-            <a:lightRig rig="threePt" dir="t">
-              <a:rot lat="0" lon="0" rev="1200000"/>
-            </a:lightRig>
-          </a:scene3d>
-          <a:sp3d>
-            <a:bevelT w="63500" h="25400"/>
-          </a:sp3d>
-        </a:effectStyle>
-      </a:effectStyleLst>
-      <a:bgFillStyleLst>
-        <a:solidFill>
-          <a:schemeClr val="phClr"/>
-        </a:solidFill>
-        <a:gradFill rotWithShape="1">
-          <a:gsLst>
-            <a:gs pos="0">
-              <a:schemeClr val="phClr">
-                <a:tint val="40000"/>
-                <a:satMod val="350000"/>
-              </a:schemeClr>
-            </a:gs>
-            <a:gs pos="40000">
-              <a:schemeClr val="phClr">
-                <a:tint val="45000"/>
-                <a:shade val="99000"/>
-                <a:satMod val="350000"/>
-              </a:schemeClr>
-            </a:gs>
-            <a:gs pos="100000">
-              <a:schemeClr val="phClr">
-                <a:shade val="20000"/>
-                <a:satMod val="255000"/>
-              </a:schemeClr>
-            </a:gs>
-          </a:gsLst>
-          <a:path path="circle">
-            <a:fillToRect l="50000" t="-80000" r="50000" b="180000"/>
-          </a:path>
-        </a:gradFill>
-        <a:gradFill rotWithShape="1">
-          <a:gsLst>
-            <a:gs pos="0">
-              <a:schemeClr val="phClr">
-                <a:tint val="80000"/>
-                <a:satMod val="300000"/>
-              </a:schemeClr>
-            </a:gs>
-            <a:gs pos="100000">
-              <a:schemeClr val="phClr">
-                <a:shade val="30000"/>
-                <a:satMod val="200000"/>
-              </a:schemeClr>
-            </a:gs>
-          </a:gsLst>
-          <a:path path="circle">
-            <a:fillToRect l="50000" t="50000" r="50000" b="50000"/>
-          </a:path>
-        </a:gradFill>
-      </a:bgFillStyleLst>
-    </a:fmtScheme>
-  </a:themeElements>
-  <a:objectDefaults>
-    <a:spDef>
-      <a:spPr/>
-      <a:bodyPr/>
-      <a:lstStyle/>
-      <a:style>
-        <a:lnRef idx="1">
-          <a:schemeClr val="accent1"/>
-        </a:lnRef>
-        <a:fillRef idx="3">
-          <a:schemeClr val="accent1"/>
-        </a:fillRef>
-        <a:effectRef idx="2">
-          <a:schemeClr val="accent1"/>
-        </a:effectRef>
-        <a:fontRef idx="minor">
-          <a:schemeClr val="lt1"/>
-        </a:fontRef>
-      </a:style>
-    </a:spDef>
-    <a:lnDef>
-      <a:spPr/>
-      <a:bodyPr/>
-      <a:lstStyle/>
-      <a:style>
-        <a:lnRef idx="2">
-          <a:schemeClr val="accent1"/>
-        </a:lnRef>
-        <a:fillRef idx="0">
-          <a:schemeClr val="accent1"/>
-        </a:fillRef>
-        <a:effectRef idx="1">
-          <a:schemeClr val="accent1"/>
-        </a:effectRef>
-        <a:fontRef idx="minor">
-          <a:schemeClr val="tx1"/>
-        </a:fontRef>
-      </a:style>
-    </a:lnDef>
-  </a:objectDefaults>
-  <a:extraClrSchemeLst/>
-</a:theme>
 </file>